--- a/OS/sp17/lectures/OSsp17_lec5_threads.pptx
+++ b/OS/sp17/lectures/OSsp17_lec5_threads.pptx
@@ -5,10 +5,10 @@
     <p:sldMasterId id="2147483792" r:id="rId1"/>
   </p:sldMasterIdLst>
   <p:notesMasterIdLst>
-    <p:notesMasterId r:id="rId26"/>
+    <p:notesMasterId r:id="rId27"/>
   </p:notesMasterIdLst>
   <p:handoutMasterIdLst>
-    <p:handoutMasterId r:id="rId27"/>
+    <p:handoutMasterId r:id="rId28"/>
   </p:handoutMasterIdLst>
   <p:sldIdLst>
     <p:sldId id="256" r:id="rId2"/>
@@ -35,6 +35,7 @@
     <p:sldId id="459" r:id="rId23"/>
     <p:sldId id="460" r:id="rId24"/>
     <p:sldId id="385" r:id="rId25"/>
+    <p:sldId id="461" r:id="rId26"/>
   </p:sldIdLst>
   <p:sldSz cx="9144000" cy="6858000" type="screen4x3"/>
   <p:notesSz cx="9144000" cy="6858000"/>
@@ -1386,7 +1387,7 @@
         <p:nvSpPr>
           <p:cNvPr id="59395" name="Rectangle 2"/>
           <p:cNvSpPr>
-            <a:spLocks noChangeArrowheads="1" noTextEdit="1"/>
+            <a:spLocks noGrp="1" noRot="1" noChangeAspect="1" noChangeArrowheads="1" noTextEdit="1"/>
           </p:cNvSpPr>
           <p:nvPr>
             <p:ph type="sldImg"/>
@@ -1636,7 +1637,7 @@
         <p:nvSpPr>
           <p:cNvPr id="55299" name="Rectangle 2"/>
           <p:cNvSpPr>
-            <a:spLocks noChangeArrowheads="1" noTextEdit="1"/>
+            <a:spLocks noGrp="1" noRot="1" noChangeAspect="1" noChangeArrowheads="1" noTextEdit="1"/>
           </p:cNvSpPr>
           <p:nvPr>
             <p:ph type="sldImg"/>
@@ -1721,7 +1722,7 @@
         <p:nvSpPr>
           <p:cNvPr id="56322" name="Rectangle 2"/>
           <p:cNvSpPr>
-            <a:spLocks noChangeArrowheads="1" noTextEdit="1"/>
+            <a:spLocks noGrp="1" noRot="1" noChangeAspect="1" noChangeArrowheads="1" noTextEdit="1"/>
           </p:cNvSpPr>
           <p:nvPr>
             <p:ph type="sldImg"/>
@@ -1806,7 +1807,7 @@
         <p:nvSpPr>
           <p:cNvPr id="58370" name="Rectangle 2"/>
           <p:cNvSpPr>
-            <a:spLocks noChangeArrowheads="1" noTextEdit="1"/>
+            <a:spLocks noGrp="1" noRot="1" noChangeAspect="1" noChangeArrowheads="1" noTextEdit="1"/>
           </p:cNvSpPr>
           <p:nvPr>
             <p:ph type="sldImg"/>
@@ -2094,7 +2095,7 @@
           <a:p>
             <a:fld id="{A56D09A2-A99C-5841-B72D-D7747D3CA1DA}" type="datetime1">
               <a:rPr lang="en-US" smtClean="0"/>
-              <a:t>1/31/17</a:t>
+              <a:t>2/9/17</a:t>
             </a:fld>
             <a:endParaRPr lang="en-US"/>
           </a:p>
@@ -2291,7 +2292,7 @@
           <a:p>
             <a:fld id="{B75CF23A-154B-1B46-8C27-8775A21F1E64}" type="datetime1">
               <a:rPr lang="en-US" smtClean="0"/>
-              <a:t>1/31/17</a:t>
+              <a:t>2/9/17</a:t>
             </a:fld>
             <a:endParaRPr lang="en-US"/>
           </a:p>
@@ -2497,7 +2498,7 @@
           <a:p>
             <a:fld id="{28E350AD-B9D4-6D48-AF44-7D8020DD8366}" type="datetime1">
               <a:rPr lang="en-US" smtClean="0"/>
-              <a:t>1/31/17</a:t>
+              <a:t>2/9/17</a:t>
             </a:fld>
             <a:endParaRPr lang="en-US"/>
           </a:p>
@@ -2760,7 +2761,7 @@
           <a:p>
             <a:fld id="{71F5F049-9362-0942-A938-2CB832CD658A}" type="datetime1">
               <a:rPr lang="en-US" smtClean="0"/>
-              <a:t>1/31/17</a:t>
+              <a:t>2/9/17</a:t>
             </a:fld>
             <a:endParaRPr lang="en-US"/>
           </a:p>
@@ -3023,7 +3024,7 @@
           <a:p>
             <a:fld id="{DEBC226D-C8E0-5543-8BA0-F48A0C8B1A65}" type="datetime1">
               <a:rPr lang="en-US" smtClean="0"/>
-              <a:t>1/31/17</a:t>
+              <a:t>2/9/17</a:t>
             </a:fld>
             <a:endParaRPr lang="en-US"/>
           </a:p>
@@ -3219,7 +3220,7 @@
           <a:p>
             <a:fld id="{BEF3DABB-2361-744A-9E62-AA8397BC6951}" type="datetime1">
               <a:rPr lang="en-US" smtClean="0"/>
-              <a:t>1/31/17</a:t>
+              <a:t>2/9/17</a:t>
             </a:fld>
             <a:endParaRPr lang="en-US"/>
           </a:p>
@@ -3437,7 +3438,7 @@
           <a:p>
             <a:fld id="{6ED9AB1A-A996-3E47-88EE-8BC78B2B2015}" type="datetime1">
               <a:rPr lang="en-US" smtClean="0"/>
-              <a:t>1/31/17</a:t>
+              <a:t>2/9/17</a:t>
             </a:fld>
             <a:endParaRPr lang="en-US"/>
           </a:p>
@@ -3751,7 +3752,7 @@
           <a:p>
             <a:fld id="{6E679556-04AA-6348-A42F-CF842725922E}" type="datetime1">
               <a:rPr lang="en-US" smtClean="0"/>
-              <a:t>1/31/17</a:t>
+              <a:t>2/9/17</a:t>
             </a:fld>
             <a:endParaRPr lang="en-US"/>
           </a:p>
@@ -4204,7 +4205,7 @@
           <a:p>
             <a:fld id="{83856A5E-515C-5945-8EBF-17B558B0A2FB}" type="datetime1">
               <a:rPr lang="en-US" smtClean="0"/>
-              <a:t>1/31/17</a:t>
+              <a:t>2/9/17</a:t>
             </a:fld>
             <a:endParaRPr lang="en-US"/>
           </a:p>
@@ -4348,7 +4349,7 @@
           <a:p>
             <a:fld id="{BD524653-E9EC-D640-AB32-9A1A04930337}" type="datetime1">
               <a:rPr lang="en-US" smtClean="0"/>
-              <a:t>1/31/17</a:t>
+              <a:t>2/9/17</a:t>
             </a:fld>
             <a:endParaRPr lang="en-US"/>
           </a:p>
@@ -4469,7 +4470,7 @@
           <a:p>
             <a:fld id="{173EEE0E-67DA-2442-A54A-C6300329C95A}" type="datetime1">
               <a:rPr lang="en-US" smtClean="0"/>
-              <a:t>1/31/17</a:t>
+              <a:t>2/9/17</a:t>
             </a:fld>
             <a:endParaRPr lang="en-US"/>
           </a:p>
@@ -4772,7 +4773,7 @@
           <a:p>
             <a:fld id="{EA86D162-DA20-0943-8678-D89426C9E423}" type="datetime1">
               <a:rPr lang="en-US" smtClean="0"/>
-              <a:t>1/31/17</a:t>
+              <a:t>2/9/17</a:t>
             </a:fld>
             <a:endParaRPr lang="en-US"/>
           </a:p>
@@ -5052,7 +5053,7 @@
           <a:p>
             <a:fld id="{0CBC6AFB-B921-F842-A3E6-83F1648EB80A}" type="datetime1">
               <a:rPr lang="en-US" smtClean="0"/>
-              <a:t>1/31/17</a:t>
+              <a:t>2/9/17</a:t>
             </a:fld>
             <a:endParaRPr lang="en-US"/>
           </a:p>
@@ -5351,7 +5352,7 @@
           <a:p>
             <a:fld id="{16254520-CA44-E946-B1D1-D2BA8457F36B}" type="datetime1">
               <a:rPr lang="en-US" smtClean="0"/>
-              <a:t>1/31/17</a:t>
+              <a:t>2/9/17</a:t>
             </a:fld>
             <a:endParaRPr lang="en-US"/>
           </a:p>
@@ -6209,16 +6210,7 @@
                 </a:solidFill>
                 <a:latin typeface="Arial" charset="0"/>
               </a:rPr>
-              <a:t>Lecture </a:t>
-            </a:r>
-            <a:r>
-              <a:rPr lang="en-US" b="1" dirty="0">
-                <a:solidFill>
-                  <a:srgbClr val="0000FF"/>
-                </a:solidFill>
-                <a:latin typeface="Arial" charset="0"/>
-              </a:rPr>
-              <a:t>5</a:t>
+              <a:t>Lecture 5</a:t>
             </a:r>
             <a:r>
               <a:rPr lang="en-US" b="1" dirty="0" smtClean="0">
@@ -6374,7 +6366,7 @@
           <a:p>
             <a:fld id="{BEF3DABB-2361-744A-9E62-AA8397BC6951}" type="datetime1">
               <a:rPr lang="en-US" smtClean="0"/>
-              <a:t>1/31/17</a:t>
+              <a:t>2/9/17</a:t>
             </a:fld>
             <a:endParaRPr lang="en-US"/>
           </a:p>
@@ -6603,7 +6595,7 @@
           <a:p>
             <a:fld id="{BEF3DABB-2361-744A-9E62-AA8397BC6951}" type="datetime1">
               <a:rPr lang="en-US" smtClean="0"/>
-              <a:t>1/31/17</a:t>
+              <a:t>2/9/17</a:t>
             </a:fld>
             <a:endParaRPr lang="en-US"/>
           </a:p>
@@ -6863,7 +6855,7 @@
           <a:p>
             <a:fld id="{BEF3DABB-2361-744A-9E62-AA8397BC6951}" type="datetime1">
               <a:rPr lang="en-US" smtClean="0"/>
-              <a:t>1/31/17</a:t>
+              <a:t>2/9/17</a:t>
             </a:fld>
             <a:endParaRPr lang="en-US"/>
           </a:p>
@@ -7205,7 +7197,7 @@
           <a:p>
             <a:fld id="{BEF3DABB-2361-744A-9E62-AA8397BC6951}" type="datetime1">
               <a:rPr lang="en-US" smtClean="0"/>
-              <a:t>1/31/17</a:t>
+              <a:t>2/9/17</a:t>
             </a:fld>
             <a:endParaRPr lang="en-US"/>
           </a:p>
@@ -8168,7 +8160,7 @@
           <a:p>
             <a:fld id="{BEF3DABB-2361-744A-9E62-AA8397BC6951}" type="datetime1">
               <a:rPr lang="en-US" smtClean="0"/>
-              <a:t>1/31/17</a:t>
+              <a:t>2/9/17</a:t>
             </a:fld>
             <a:endParaRPr lang="en-US"/>
           </a:p>
@@ -8404,7 +8396,7 @@
           <a:p>
             <a:fld id="{BEF3DABB-2361-744A-9E62-AA8397BC6951}" type="datetime1">
               <a:rPr lang="en-US" smtClean="0"/>
-              <a:t>2/1/17</a:t>
+              <a:t>2/9/17</a:t>
             </a:fld>
             <a:endParaRPr lang="en-US"/>
           </a:p>
@@ -8691,7 +8683,7 @@
           <a:p>
             <a:fld id="{BEF3DABB-2361-744A-9E62-AA8397BC6951}" type="datetime1">
               <a:rPr lang="en-US" smtClean="0"/>
-              <a:t>2/1/17</a:t>
+              <a:t>2/9/17</a:t>
             </a:fld>
             <a:endParaRPr lang="en-US"/>
           </a:p>
@@ -8826,11 +8818,7 @@
             <a:pPr lvl="1"/>
             <a:r>
               <a:rPr lang="en-US" dirty="0" smtClean="0"/>
-              <a:t>HW 1 due by 3:15 </a:t>
-            </a:r>
-            <a:r>
-              <a:rPr lang="en-US" dirty="0" smtClean="0"/>
-              <a:t>PM today</a:t>
+              <a:t>HW 1 due by 3:15 PM today</a:t>
             </a:r>
             <a:endParaRPr lang="en-US" dirty="0"/>
           </a:p>
@@ -8873,7 +8861,6 @@
               <a:rPr lang="en-US" dirty="0" smtClean="0"/>
               <a:t>Review: IPC</a:t>
             </a:r>
-            <a:endParaRPr lang="en-US" dirty="0" smtClean="0"/>
           </a:p>
           <a:p>
             <a:pPr lvl="1"/>
@@ -9020,7 +9007,7 @@
                 <a:latin typeface="Garamond"/>
                 <a:cs typeface="Garamond"/>
               </a:rPr>
-              <a:t>1/31/17</a:t>
+              <a:t>2/9/17</a:t>
             </a:fld>
             <a:endParaRPr lang="en-US" dirty="0">
               <a:latin typeface="Garamond"/>
@@ -9413,7 +9400,7 @@
           <a:p>
             <a:fld id="{BEF3DABB-2361-744A-9E62-AA8397BC6951}" type="datetime1">
               <a:rPr lang="en-US" smtClean="0"/>
-              <a:t>2/1/17</a:t>
+              <a:t>2/9/17</a:t>
             </a:fld>
             <a:endParaRPr lang="en-US"/>
           </a:p>
@@ -9749,7 +9736,7 @@
           <a:p>
             <a:fld id="{BEF3DABB-2361-744A-9E62-AA8397BC6951}" type="datetime1">
               <a:rPr lang="en-US" smtClean="0"/>
-              <a:t>2/1/17</a:t>
+              <a:t>2/9/17</a:t>
             </a:fld>
             <a:endParaRPr lang="en-US"/>
           </a:p>
@@ -9996,7 +9983,7 @@
           <a:p>
             <a:fld id="{BEF3DABB-2361-744A-9E62-AA8397BC6951}" type="datetime1">
               <a:rPr lang="en-US" smtClean="0"/>
-              <a:t>2/1/17</a:t>
+              <a:t>2/9/17</a:t>
             </a:fld>
             <a:endParaRPr lang="en-US"/>
           </a:p>
@@ -10212,7 +10199,7 @@
           <a:p>
             <a:fld id="{BEF3DABB-2361-744A-9E62-AA8397BC6951}" type="datetime1">
               <a:rPr lang="en-US" smtClean="0"/>
-              <a:t>2/1/17</a:t>
+              <a:t>2/9/17</a:t>
             </a:fld>
             <a:endParaRPr lang="en-US"/>
           </a:p>
@@ -10347,13 +10334,8 @@
             <a:pPr lvl="1"/>
             <a:r>
               <a:rPr lang="en-US" dirty="0" smtClean="0"/>
-              <a:t>Detailed s</a:t>
-            </a:r>
-            <a:r>
-              <a:rPr lang="en-US" dirty="0" smtClean="0"/>
-              <a:t>ynchronization discussion</a:t>
-            </a:r>
-            <a:endParaRPr lang="en-US" dirty="0" smtClean="0"/>
+              <a:t>Detailed synchronization discussion</a:t>
+            </a:r>
           </a:p>
           <a:p>
             <a:r>
@@ -10528,7 +10510,7 @@
           <a:p>
             <a:fld id="{D1010B0A-0923-F64F-BB98-DAF781549413}" type="datetime1">
               <a:rPr lang="en-US" smtClean="0"/>
-              <a:t>1/31/17</a:t>
+              <a:t>2/9/17</a:t>
             </a:fld>
             <a:endParaRPr lang="en-US"/>
           </a:p>
@@ -10708,6 +10690,197 @@
       </p:par>
     </p:tnLst>
   </p:timing>
+</p:sld>
+</file>
+
+<file path=ppt/slides/slide25.xml><?xml version="1.0" encoding="utf-8"?>
+<p:sld xmlns:a="http://schemas.openxmlformats.org/drawingml/2006/main" xmlns:r="http://schemas.openxmlformats.org/officeDocument/2006/relationships" xmlns:p="http://schemas.openxmlformats.org/presentationml/2006/main">
+  <p:cSld>
+    <p:spTree>
+      <p:nvGrpSpPr>
+        <p:cNvPr id="1" name=""/>
+        <p:cNvGrpSpPr/>
+        <p:nvPr/>
+      </p:nvGrpSpPr>
+      <p:grpSpPr>
+        <a:xfrm>
+          <a:off x="0" y="0"/>
+          <a:ext cx="0" cy="0"/>
+          <a:chOff x="0" y="0"/>
+          <a:chExt cx="0" cy="0"/>
+        </a:xfrm>
+      </p:grpSpPr>
+      <p:sp>
+        <p:nvSpPr>
+          <p:cNvPr id="2" name="Title 1"/>
+          <p:cNvSpPr>
+            <a:spLocks noGrp="1"/>
+          </p:cNvSpPr>
+          <p:nvPr>
+            <p:ph type="title"/>
+          </p:nvPr>
+        </p:nvSpPr>
+        <p:spPr/>
+        <p:txBody>
+          <a:bodyPr/>
+          <a:lstStyle/>
+          <a:p>
+            <a:r>
+              <a:rPr lang="en-US" dirty="0" smtClean="0"/>
+              <a:t>Acknowledgements</a:t>
+            </a:r>
+            <a:endParaRPr lang="en-US" dirty="0"/>
+          </a:p>
+        </p:txBody>
+      </p:sp>
+      <p:sp>
+        <p:nvSpPr>
+          <p:cNvPr id="3" name="Content Placeholder 2"/>
+          <p:cNvSpPr>
+            <a:spLocks noGrp="1"/>
+          </p:cNvSpPr>
+          <p:nvPr>
+            <p:ph idx="1"/>
+          </p:nvPr>
+        </p:nvSpPr>
+        <p:spPr/>
+        <p:txBody>
+          <a:bodyPr/>
+          <a:lstStyle/>
+          <a:p>
+            <a:r>
+              <a:rPr lang="en-US" dirty="0" smtClean="0"/>
+              <a:t>These slides are adapted from the following sources:</a:t>
+            </a:r>
+          </a:p>
+          <a:p>
+            <a:pPr lvl="1"/>
+            <a:r>
+              <a:rPr lang="en-US" dirty="0" err="1" smtClean="0"/>
+              <a:t>Silberschatz</a:t>
+            </a:r>
+            <a:r>
+              <a:rPr lang="en-US" dirty="0" smtClean="0"/>
+              <a:t>, Galvin, &amp; Gagne, </a:t>
+            </a:r>
+            <a:r>
+              <a:rPr lang="en-US" i="1" dirty="0" smtClean="0"/>
+              <a:t>Operating Systems Concepts</a:t>
+            </a:r>
+            <a:r>
+              <a:rPr lang="en-US" dirty="0" smtClean="0"/>
+              <a:t>, 9</a:t>
+            </a:r>
+            <a:r>
+              <a:rPr lang="en-US" baseline="30000" dirty="0" smtClean="0"/>
+              <a:t>th</a:t>
+            </a:r>
+            <a:r>
+              <a:rPr lang="en-US" dirty="0" smtClean="0"/>
+              <a:t> edition</a:t>
+            </a:r>
+          </a:p>
+          <a:p>
+            <a:pPr lvl="1"/>
+            <a:r>
+              <a:rPr lang="en-US" dirty="0" smtClean="0"/>
+              <a:t>Chen &amp; </a:t>
+            </a:r>
+            <a:r>
+              <a:rPr lang="en-US" dirty="0" err="1" smtClean="0"/>
+              <a:t>Madhyastha</a:t>
+            </a:r>
+            <a:r>
+              <a:rPr lang="en-US" dirty="0" smtClean="0"/>
+              <a:t>, EECS 482 lecture notes, University of Michigan, Fall 2016</a:t>
+            </a:r>
+            <a:endParaRPr lang="en-US" dirty="0"/>
+          </a:p>
+        </p:txBody>
+      </p:sp>
+      <p:sp>
+        <p:nvSpPr>
+          <p:cNvPr id="4" name="Date Placeholder 3"/>
+          <p:cNvSpPr>
+            <a:spLocks noGrp="1"/>
+          </p:cNvSpPr>
+          <p:nvPr>
+            <p:ph type="dt" sz="half" idx="10"/>
+          </p:nvPr>
+        </p:nvSpPr>
+        <p:spPr/>
+        <p:txBody>
+          <a:bodyPr/>
+          <a:lstStyle/>
+          <a:p>
+            <a:fld id="{2BD1A3CB-CAD6-FB4B-9A5A-696854FE92B6}" type="datetime1">
+              <a:rPr lang="en-US" smtClean="0"/>
+              <a:t>2/9/17</a:t>
+            </a:fld>
+            <a:endParaRPr lang="en-US"/>
+          </a:p>
+        </p:txBody>
+      </p:sp>
+      <p:sp>
+        <p:nvSpPr>
+          <p:cNvPr id="5" name="Footer Placeholder 4"/>
+          <p:cNvSpPr>
+            <a:spLocks noGrp="1"/>
+          </p:cNvSpPr>
+          <p:nvPr>
+            <p:ph type="ftr" sz="quarter" idx="11"/>
+          </p:nvPr>
+        </p:nvSpPr>
+        <p:spPr/>
+        <p:txBody>
+          <a:bodyPr/>
+          <a:lstStyle/>
+          <a:p>
+            <a:pPr>
+              <a:defRPr/>
+            </a:pPr>
+            <a:r>
+              <a:rPr lang="en-US" altLang="en-US" smtClean="0"/>
+              <a:t>Operating Systems: Lecture 1</a:t>
+            </a:r>
+            <a:endParaRPr lang="en-US" altLang="en-US"/>
+          </a:p>
+        </p:txBody>
+      </p:sp>
+      <p:sp>
+        <p:nvSpPr>
+          <p:cNvPr id="6" name="Slide Number Placeholder 5"/>
+          <p:cNvSpPr>
+            <a:spLocks noGrp="1"/>
+          </p:cNvSpPr>
+          <p:nvPr>
+            <p:ph type="sldNum" sz="quarter" idx="12"/>
+          </p:nvPr>
+        </p:nvSpPr>
+        <p:spPr/>
+        <p:txBody>
+          <a:bodyPr/>
+          <a:lstStyle/>
+          <a:p>
+            <a:fld id="{2907D84A-D9E1-964C-B1EF-5C5C24A64F29}" type="slidenum">
+              <a:rPr lang="en-US" smtClean="0"/>
+              <a:pPr/>
+              <a:t>25</a:t>
+            </a:fld>
+            <a:endParaRPr lang="en-US"/>
+          </a:p>
+        </p:txBody>
+      </p:sp>
+    </p:spTree>
+    <p:extLst>
+      <p:ext uri="{BB962C8B-B14F-4D97-AF65-F5344CB8AC3E}">
+        <p14:creationId xmlns:p14="http://schemas.microsoft.com/office/powerpoint/2010/main" val="155555981"/>
+      </p:ext>
+    </p:extLst>
+  </p:cSld>
+  <p:clrMapOvr>
+    <a:masterClrMapping/>
+  </p:clrMapOvr>
 </p:sld>
 </file>
 
@@ -10838,11 +11011,6 @@
               </a:rPr>
               <a:t>Indirect communication: processes send to/receive from mailboxes</a:t>
             </a:r>
-            <a:endParaRPr lang="en-US" dirty="0" smtClean="0">
-              <a:solidFill>
-                <a:srgbClr val="000000"/>
-              </a:solidFill>
-            </a:endParaRPr>
           </a:p>
           <a:p>
             <a:pPr lvl="1"/>
@@ -10867,7 +11035,7 @@
           <a:p>
             <a:fld id="{4436537C-429C-4C46-9DDE-6F4C2F56DB1F}" type="datetime1">
               <a:rPr lang="en-US" smtClean="0"/>
-              <a:t>1/31/17</a:t>
+              <a:t>2/9/17</a:t>
             </a:fld>
             <a:endParaRPr lang="en-US"/>
           </a:p>
@@ -11074,7 +11242,7 @@
           <a:p>
             <a:fld id="{A56A6035-4BD4-A640-B8D5-76F1EF6588D6}" type="datetime1">
               <a:rPr lang="en-US" smtClean="0"/>
-              <a:t>1/31/17</a:t>
+              <a:t>2/9/17</a:t>
             </a:fld>
             <a:endParaRPr lang="en-US"/>
           </a:p>
@@ -11301,7 +11469,7 @@
           <a:p>
             <a:fld id="{9E37ECA5-548F-3943-A668-C265EA7C6F40}" type="datetime1">
               <a:rPr lang="en-US" smtClean="0"/>
-              <a:t>1/31/17</a:t>
+              <a:t>2/9/17</a:t>
             </a:fld>
             <a:endParaRPr lang="en-US"/>
           </a:p>
@@ -11404,11 +11572,7 @@
           <a:p>
             <a:r>
               <a:rPr lang="en-US" dirty="0" smtClean="0"/>
-              <a:t>Recall: Process </a:t>
-            </a:r>
-            <a:r>
-              <a:rPr lang="en-US" dirty="0" smtClean="0"/>
-              <a:t>in memory</a:t>
+              <a:t>Recall: Process in memory</a:t>
             </a:r>
             <a:endParaRPr lang="en-US" dirty="0"/>
           </a:p>
@@ -11642,7 +11806,7 @@
           <a:p>
             <a:fld id="{283382A2-32A8-E046-9A3D-B21E50F3F668}" type="datetime1">
               <a:rPr lang="en-US" smtClean="0"/>
-              <a:t>1/31/17</a:t>
+              <a:t>2/9/17</a:t>
             </a:fld>
             <a:endParaRPr lang="en-US"/>
           </a:p>
@@ -11824,7 +11988,7 @@
           <a:p>
             <a:fld id="{7A22CDA3-757A-0144-8E6C-100AF964C322}" type="datetime1">
               <a:rPr lang="en-US" smtClean="0"/>
-              <a:t>1/31/17</a:t>
+              <a:t>2/9/17</a:t>
             </a:fld>
             <a:endParaRPr lang="en-US"/>
           </a:p>
@@ -11957,7 +12121,7 @@
           <a:p>
             <a:fld id="{BEF3DABB-2361-744A-9E62-AA8397BC6951}" type="datetime1">
               <a:rPr lang="en-US" smtClean="0"/>
-              <a:t>1/31/17</a:t>
+              <a:t>2/9/17</a:t>
             </a:fld>
             <a:endParaRPr lang="en-US"/>
           </a:p>
@@ -12207,7 +12371,7 @@
           <a:p>
             <a:fld id="{BD524653-E9EC-D640-AB32-9A1A04930337}" type="datetime1">
               <a:rPr lang="en-US" smtClean="0"/>
-              <a:t>1/31/17</a:t>
+              <a:t>2/9/17</a:t>
             </a:fld>
             <a:endParaRPr lang="en-US"/>
           </a:p>
